--- a/project_4/final_presentation.pptx
+++ b/project_4/final_presentation.pptx
@@ -5,7 +5,7 @@
     <p:sldMasterId id="2147483648" r:id="rId1"/>
   </p:sldMasterIdLst>
   <p:notesMasterIdLst>
-    <p:notesMasterId r:id="rId24"/>
+    <p:notesMasterId r:id="rId23"/>
   </p:notesMasterIdLst>
   <p:sldIdLst>
     <p:sldId id="262" r:id="rId2"/>
@@ -14,22 +14,21 @@
     <p:sldId id="306" r:id="rId5"/>
     <p:sldId id="265" r:id="rId6"/>
     <p:sldId id="304" r:id="rId7"/>
-    <p:sldId id="270" r:id="rId8"/>
-    <p:sldId id="307" r:id="rId9"/>
-    <p:sldId id="308" r:id="rId10"/>
-    <p:sldId id="309" r:id="rId11"/>
-    <p:sldId id="310" r:id="rId12"/>
-    <p:sldId id="266" r:id="rId13"/>
-    <p:sldId id="269" r:id="rId14"/>
-    <p:sldId id="264" r:id="rId15"/>
-    <p:sldId id="305" r:id="rId16"/>
-    <p:sldId id="259" r:id="rId17"/>
-    <p:sldId id="311" r:id="rId18"/>
-    <p:sldId id="312" r:id="rId19"/>
-    <p:sldId id="313" r:id="rId20"/>
-    <p:sldId id="314" r:id="rId21"/>
-    <p:sldId id="261" r:id="rId22"/>
-    <p:sldId id="271" r:id="rId23"/>
+    <p:sldId id="307" r:id="rId8"/>
+    <p:sldId id="308" r:id="rId9"/>
+    <p:sldId id="309" r:id="rId10"/>
+    <p:sldId id="310" r:id="rId11"/>
+    <p:sldId id="266" r:id="rId12"/>
+    <p:sldId id="269" r:id="rId13"/>
+    <p:sldId id="264" r:id="rId14"/>
+    <p:sldId id="305" r:id="rId15"/>
+    <p:sldId id="311" r:id="rId16"/>
+    <p:sldId id="315" r:id="rId17"/>
+    <p:sldId id="312" r:id="rId18"/>
+    <p:sldId id="313" r:id="rId19"/>
+    <p:sldId id="314" r:id="rId20"/>
+    <p:sldId id="261" r:id="rId21"/>
+    <p:sldId id="271" r:id="rId22"/>
   </p:sldIdLst>
   <p:sldSz cx="12192000" cy="6858000"/>
   <p:notesSz cx="6858000" cy="9144000"/>
@@ -3686,376 +3685,6 @@
           <a:chExt cx="0" cy="0"/>
         </a:xfrm>
       </p:grpSpPr>
-      <p:grpSp>
-        <p:nvGrpSpPr>
-          <p:cNvPr id="9" name="Group 8"/>
-          <p:cNvGrpSpPr/>
-          <p:nvPr/>
-        </p:nvGrpSpPr>
-        <p:grpSpPr>
-          <a:xfrm>
-            <a:off x="11408734" y="373659"/>
-            <a:ext cx="361507" cy="297710"/>
-            <a:chOff x="616688" y="2200940"/>
-            <a:chExt cx="1254642" cy="1135277"/>
-          </a:xfrm>
-          <a:solidFill>
-            <a:schemeClr val="bg1">
-              <a:lumMod val="75000"/>
-            </a:schemeClr>
-          </a:solidFill>
-        </p:grpSpPr>
-        <p:sp>
-          <p:nvSpPr>
-            <p:cNvPr id="10" name="Rectangle 9">
-              <a:hlinkClick r:id="rId2" action="ppaction://hlinksldjump"/>
-            </p:cNvPr>
-            <p:cNvSpPr/>
-            <p:nvPr/>
-          </p:nvSpPr>
-          <p:spPr>
-            <a:xfrm>
-              <a:off x="616688" y="2200940"/>
-              <a:ext cx="1254642" cy="255181"/>
-            </a:xfrm>
-            <a:prstGeom prst="rect">
-              <a:avLst/>
-            </a:prstGeom>
-            <a:grpFill/>
-            <a:ln>
-              <a:noFill/>
-            </a:ln>
-          </p:spPr>
-          <p:style>
-            <a:lnRef idx="2">
-              <a:schemeClr val="accent1">
-                <a:shade val="50000"/>
-              </a:schemeClr>
-            </a:lnRef>
-            <a:fillRef idx="1">
-              <a:schemeClr val="accent1"/>
-            </a:fillRef>
-            <a:effectRef idx="0">
-              <a:schemeClr val="accent1"/>
-            </a:effectRef>
-            <a:fontRef idx="minor">
-              <a:schemeClr val="lt1"/>
-            </a:fontRef>
-          </p:style>
-          <p:txBody>
-            <a:bodyPr rtlCol="0" anchor="ctr"/>
-            <a:lstStyle/>
-            <a:p>
-              <a:pPr algn="ctr"/>
-              <a:endParaRPr lang="en-CA"/>
-            </a:p>
-          </p:txBody>
-        </p:sp>
-        <p:sp>
-          <p:nvSpPr>
-            <p:cNvPr id="11" name="Rectangle 10">
-              <a:hlinkClick r:id="rId2" action="ppaction://hlinksldjump"/>
-            </p:cNvPr>
-            <p:cNvSpPr/>
-            <p:nvPr/>
-          </p:nvSpPr>
-          <p:spPr>
-            <a:xfrm>
-              <a:off x="616688" y="2640988"/>
-              <a:ext cx="1254642" cy="255181"/>
-            </a:xfrm>
-            <a:prstGeom prst="rect">
-              <a:avLst/>
-            </a:prstGeom>
-            <a:grpFill/>
-            <a:ln>
-              <a:noFill/>
-            </a:ln>
-          </p:spPr>
-          <p:style>
-            <a:lnRef idx="2">
-              <a:schemeClr val="accent1">
-                <a:shade val="50000"/>
-              </a:schemeClr>
-            </a:lnRef>
-            <a:fillRef idx="1">
-              <a:schemeClr val="accent1"/>
-            </a:fillRef>
-            <a:effectRef idx="0">
-              <a:schemeClr val="accent1"/>
-            </a:effectRef>
-            <a:fontRef idx="minor">
-              <a:schemeClr val="lt1"/>
-            </a:fontRef>
-          </p:style>
-          <p:txBody>
-            <a:bodyPr rtlCol="0" anchor="ctr"/>
-            <a:lstStyle/>
-            <a:p>
-              <a:pPr algn="ctr"/>
-              <a:endParaRPr lang="en-CA"/>
-            </a:p>
-          </p:txBody>
-        </p:sp>
-        <p:sp>
-          <p:nvSpPr>
-            <p:cNvPr id="12" name="Rectangle 11">
-              <a:hlinkClick r:id="rId2" action="ppaction://hlinksldjump"/>
-            </p:cNvPr>
-            <p:cNvSpPr/>
-            <p:nvPr/>
-          </p:nvSpPr>
-          <p:spPr>
-            <a:xfrm>
-              <a:off x="616688" y="3081036"/>
-              <a:ext cx="1254642" cy="255181"/>
-            </a:xfrm>
-            <a:prstGeom prst="rect">
-              <a:avLst/>
-            </a:prstGeom>
-            <a:grpFill/>
-            <a:ln>
-              <a:noFill/>
-            </a:ln>
-          </p:spPr>
-          <p:style>
-            <a:lnRef idx="2">
-              <a:schemeClr val="accent1">
-                <a:shade val="50000"/>
-              </a:schemeClr>
-            </a:lnRef>
-            <a:fillRef idx="1">
-              <a:schemeClr val="accent1"/>
-            </a:fillRef>
-            <a:effectRef idx="0">
-              <a:schemeClr val="accent1"/>
-            </a:effectRef>
-            <a:fontRef idx="minor">
-              <a:schemeClr val="lt1"/>
-            </a:fontRef>
-          </p:style>
-          <p:txBody>
-            <a:bodyPr rtlCol="0" anchor="ctr"/>
-            <a:lstStyle/>
-            <a:p>
-              <a:pPr algn="ctr"/>
-              <a:endParaRPr lang="en-CA" dirty="0"/>
-            </a:p>
-          </p:txBody>
-        </p:sp>
-      </p:grpSp>
-      <p:grpSp>
-        <p:nvGrpSpPr>
-          <p:cNvPr id="13" name="Group 12"/>
-          <p:cNvGrpSpPr/>
-          <p:nvPr/>
-        </p:nvGrpSpPr>
-        <p:grpSpPr>
-          <a:xfrm>
-            <a:off x="3197631" y="-288041"/>
-            <a:ext cx="5796740" cy="810555"/>
-            <a:chOff x="3696372" y="-288041"/>
-            <a:chExt cx="4799257" cy="810555"/>
-          </a:xfrm>
-        </p:grpSpPr>
-        <p:sp>
-          <p:nvSpPr>
-            <p:cNvPr id="14" name="Rounded Rectangle 13"/>
-            <p:cNvSpPr/>
-            <p:nvPr/>
-          </p:nvSpPr>
-          <p:spPr>
-            <a:xfrm>
-              <a:off x="4135793" y="-111968"/>
-              <a:ext cx="3826800" cy="634482"/>
-            </a:xfrm>
-            <a:prstGeom prst="roundRect">
-              <a:avLst/>
-            </a:prstGeom>
-            <a:ln w="57150"/>
-          </p:spPr>
-          <p:style>
-            <a:lnRef idx="2">
-              <a:schemeClr val="dk1">
-                <a:shade val="50000"/>
-              </a:schemeClr>
-            </a:lnRef>
-            <a:fillRef idx="1">
-              <a:schemeClr val="dk1"/>
-            </a:fillRef>
-            <a:effectRef idx="0">
-              <a:schemeClr val="dk1"/>
-            </a:effectRef>
-            <a:fontRef idx="minor">
-              <a:schemeClr val="lt1"/>
-            </a:fontRef>
-          </p:style>
-          <p:txBody>
-            <a:bodyPr rtlCol="0" anchor="b"/>
-            <a:lstStyle/>
-            <a:p>
-              <a:pPr algn="ctr"/>
-              <a:r>
-                <a:rPr lang="en-CA" sz="2400" b="1" dirty="0">
-                  <a:latin typeface="Times New Roman" panose="02020603050405020304" pitchFamily="18" charset="0"/>
-                  <a:cs typeface="Times New Roman" panose="02020603050405020304" pitchFamily="18" charset="0"/>
-                </a:rPr>
-                <a:t>Section 1: </a:t>
-              </a:r>
-              <a:r>
-                <a:rPr lang="en-CA" sz="2400" dirty="0">
-                  <a:latin typeface="Times New Roman" panose="02020603050405020304" pitchFamily="18" charset="0"/>
-                  <a:cs typeface="Times New Roman" panose="02020603050405020304" pitchFamily="18" charset="0"/>
-                </a:rPr>
-                <a:t>Convergence till test </a:t>
-              </a:r>
-              <a:r>
-                <a:rPr lang="en-CA" sz="2400" i="1" dirty="0">
-                  <a:latin typeface="Times New Roman" panose="02020603050405020304" pitchFamily="18" charset="0"/>
-                  <a:cs typeface="Times New Roman" panose="02020603050405020304" pitchFamily="18" charset="0"/>
-                </a:rPr>
-                <a:t>T</a:t>
-              </a:r>
-              <a:r>
-                <a:rPr lang="el-GR" sz="2400" i="1" baseline="-25000" dirty="0">
-                  <a:latin typeface="Times New Roman" panose="02020603050405020304" pitchFamily="18" charset="0"/>
-                  <a:cs typeface="Times New Roman" panose="02020603050405020304" pitchFamily="18" charset="0"/>
-                </a:rPr>
-                <a:t>β</a:t>
-              </a:r>
-              <a:endParaRPr lang="en-CA" sz="2400" i="1" baseline="-25000" dirty="0">
-                <a:latin typeface="Times New Roman" panose="02020603050405020304" pitchFamily="18" charset="0"/>
-                <a:cs typeface="Times New Roman" panose="02020603050405020304" pitchFamily="18" charset="0"/>
-              </a:endParaRPr>
-            </a:p>
-          </p:txBody>
-        </p:sp>
-        <p:sp>
-          <p:nvSpPr>
-            <p:cNvPr id="15" name="Rectangle 14"/>
-            <p:cNvSpPr/>
-            <p:nvPr/>
-          </p:nvSpPr>
-          <p:spPr>
-            <a:xfrm>
-              <a:off x="3696372" y="-288041"/>
-              <a:ext cx="4799257" cy="278516"/>
-            </a:xfrm>
-            <a:prstGeom prst="rect">
-              <a:avLst/>
-            </a:prstGeom>
-            <a:solidFill>
-              <a:srgbClr val="E6E6E6"/>
-            </a:solidFill>
-            <a:ln>
-              <a:noFill/>
-            </a:ln>
-          </p:spPr>
-          <p:style>
-            <a:lnRef idx="2">
-              <a:schemeClr val="accent1">
-                <a:shade val="50000"/>
-              </a:schemeClr>
-            </a:lnRef>
-            <a:fillRef idx="1">
-              <a:schemeClr val="accent1"/>
-            </a:fillRef>
-            <a:effectRef idx="0">
-              <a:schemeClr val="accent1"/>
-            </a:effectRef>
-            <a:fontRef idx="minor">
-              <a:schemeClr val="lt1"/>
-            </a:fontRef>
-          </p:style>
-          <p:txBody>
-            <a:bodyPr rtlCol="0" anchor="ctr"/>
-            <a:lstStyle/>
-            <a:p>
-              <a:pPr algn="ctr"/>
-              <a:endParaRPr lang="en-CA"/>
-            </a:p>
-          </p:txBody>
-        </p:sp>
-      </p:grpSp>
-      <p:pic>
-        <p:nvPicPr>
-          <p:cNvPr id="2" name="Picture 1"/>
-          <p:cNvPicPr>
-            <a:picLocks noChangeAspect="1"/>
-          </p:cNvPicPr>
-          <p:nvPr/>
-        </p:nvPicPr>
-        <p:blipFill>
-          <a:blip r:embed="rId3">
-            <a:extLst>
-              <a:ext uri="{28A0092B-C50C-407E-A947-70E740481C1C}">
-                <a14:useLocalDpi xmlns:a14="http://schemas.microsoft.com/office/drawing/2010/main" val="0"/>
-              </a:ext>
-            </a:extLst>
-          </a:blip>
-          <a:stretch>
-            <a:fillRect/>
-          </a:stretch>
-        </p:blipFill>
-        <p:spPr>
-          <a:xfrm>
-            <a:off x="0" y="742950"/>
-            <a:ext cx="12192000" cy="6115050"/>
-          </a:xfrm>
-          <a:prstGeom prst="rect">
-            <a:avLst/>
-          </a:prstGeom>
-        </p:spPr>
-      </p:pic>
-    </p:spTree>
-    <p:extLst>
-      <p:ext uri="{BB962C8B-B14F-4D97-AF65-F5344CB8AC3E}">
-        <p14:creationId xmlns:p14="http://schemas.microsoft.com/office/powerpoint/2010/main" val="1475929001"/>
-      </p:ext>
-    </p:extLst>
-  </p:cSld>
-  <p:clrMapOvr>
-    <a:masterClrMapping/>
-  </p:clrMapOvr>
-  <mc:AlternateContent xmlns:mc="http://schemas.openxmlformats.org/markup-compatibility/2006" xmlns:p14="http://schemas.microsoft.com/office/powerpoint/2010/main">
-    <mc:Choice Requires="p14">
-      <p:transition p14:dur="200">
-        <p:fade/>
-      </p:transition>
-    </mc:Choice>
-    <mc:Fallback xmlns="">
-      <p:transition>
-        <p:fade/>
-      </p:transition>
-    </mc:Fallback>
-  </mc:AlternateContent>
-  <p:timing>
-    <p:tnLst>
-      <p:par>
-        <p:cTn id="1" dur="indefinite" restart="never" nodeType="tmRoot"/>
-      </p:par>
-    </p:tnLst>
-  </p:timing>
-</p:sld>
-</file>
-
-<file path=ppt/slides/slide11.xml><?xml version="1.0" encoding="utf-8"?>
-<p:sld xmlns:a="http://schemas.openxmlformats.org/drawingml/2006/main" xmlns:r="http://schemas.openxmlformats.org/officeDocument/2006/relationships" xmlns:p="http://schemas.openxmlformats.org/presentationml/2006/main">
-  <p:cSld>
-    <p:spTree>
-      <p:nvGrpSpPr>
-        <p:cNvPr id="1" name=""/>
-        <p:cNvGrpSpPr/>
-        <p:nvPr/>
-      </p:nvGrpSpPr>
-      <p:grpSpPr>
-        <a:xfrm>
-          <a:off x="0" y="0"/>
-          <a:ext cx="0" cy="0"/>
-          <a:chOff x="0" y="0"/>
-          <a:chExt cx="0" cy="0"/>
-        </a:xfrm>
-      </p:grpSpPr>
       <p:pic>
         <p:nvPicPr>
           <p:cNvPr id="5" name="Picture 4"/>
@@ -4409,7 +4038,7 @@
 </p:sld>
 </file>
 
-<file path=ppt/slides/slide12.xml><?xml version="1.0" encoding="utf-8"?>
+<file path=ppt/slides/slide11.xml><?xml version="1.0" encoding="utf-8"?>
 <p:sld xmlns:a="http://schemas.openxmlformats.org/drawingml/2006/main" xmlns:r="http://schemas.openxmlformats.org/officeDocument/2006/relationships" xmlns:p="http://schemas.openxmlformats.org/presentationml/2006/main">
   <p:cSld>
     <p:spTree>
@@ -4806,7 +4435,7 @@
 </p:sld>
 </file>
 
-<file path=ppt/slides/slide13.xml><?xml version="1.0" encoding="utf-8"?>
+<file path=ppt/slides/slide12.xml><?xml version="1.0" encoding="utf-8"?>
 <p:sld xmlns:a="http://schemas.openxmlformats.org/drawingml/2006/main" xmlns:r="http://schemas.openxmlformats.org/officeDocument/2006/relationships" xmlns:p="http://schemas.openxmlformats.org/presentationml/2006/main">
   <p:cSld>
     <p:spTree>
@@ -5368,7 +4997,7 @@
 </p:sld>
 </file>
 
-<file path=ppt/slides/slide14.xml><?xml version="1.0" encoding="utf-8"?>
+<file path=ppt/slides/slide13.xml><?xml version="1.0" encoding="utf-8"?>
 <p:sld xmlns:a="http://schemas.openxmlformats.org/drawingml/2006/main" xmlns:r="http://schemas.openxmlformats.org/officeDocument/2006/relationships" xmlns:p="http://schemas.openxmlformats.org/presentationml/2006/main">
   <p:cSld>
     <p:spTree>
@@ -5772,7 +5401,7 @@
 </p:sld>
 </file>
 
-<file path=ppt/slides/slide15.xml><?xml version="1.0" encoding="utf-8"?>
+<file path=ppt/slides/slide14.xml><?xml version="1.0" encoding="utf-8"?>
 <p:sld xmlns:a="http://schemas.openxmlformats.org/drawingml/2006/main" xmlns:r="http://schemas.openxmlformats.org/officeDocument/2006/relationships" xmlns:p="http://schemas.openxmlformats.org/presentationml/2006/main">
   <p:cSld>
     <p:spTree>
@@ -6776,17 +6405,9 @@
 </p:sld>
 </file>
 
-<file path=ppt/slides/slide16.xml><?xml version="1.0" encoding="utf-8"?>
+<file path=ppt/slides/slide15.xml><?xml version="1.0" encoding="utf-8"?>
 <p:sld xmlns:a="http://schemas.openxmlformats.org/drawingml/2006/main" xmlns:r="http://schemas.openxmlformats.org/officeDocument/2006/relationships" xmlns:p="http://schemas.openxmlformats.org/presentationml/2006/main">
   <p:cSld>
-    <p:bg>
-      <p:bgPr>
-        <a:solidFill>
-          <a:schemeClr val="bg1"/>
-        </a:solidFill>
-        <a:effectLst/>
-      </p:bgPr>
-    </p:bg>
     <p:spTree>
       <p:nvGrpSpPr>
         <p:cNvPr id="1" name=""/>
@@ -6801,36 +6422,6 @@
           <a:chExt cx="0" cy="0"/>
         </a:xfrm>
       </p:grpSpPr>
-      <p:pic>
-        <p:nvPicPr>
-          <p:cNvPr id="2" name="Picture 1"/>
-          <p:cNvPicPr>
-            <a:picLocks noChangeAspect="1"/>
-          </p:cNvPicPr>
-          <p:nvPr/>
-        </p:nvPicPr>
-        <p:blipFill>
-          <a:blip r:embed="rId2">
-            <a:extLst>
-              <a:ext uri="{28A0092B-C50C-407E-A947-70E740481C1C}">
-                <a14:useLocalDpi xmlns:a14="http://schemas.microsoft.com/office/drawing/2010/main" val="0"/>
-              </a:ext>
-            </a:extLst>
-          </a:blip>
-          <a:stretch>
-            <a:fillRect/>
-          </a:stretch>
-        </p:blipFill>
-        <p:spPr>
-          <a:xfrm>
-            <a:off x="0" y="679450"/>
-            <a:ext cx="12192000" cy="6178550"/>
-          </a:xfrm>
-          <a:prstGeom prst="rect">
-            <a:avLst/>
-          </a:prstGeom>
-        </p:spPr>
-      </p:pic>
       <p:grpSp>
         <p:nvGrpSpPr>
           <p:cNvPr id="13" name="Group 12"/>
@@ -6853,7 +6444,7 @@
         <p:sp>
           <p:nvSpPr>
             <p:cNvPr id="14" name="Rectangle 13">
-              <a:hlinkClick r:id="rId3" action="ppaction://hlinksldjump"/>
+              <a:hlinkClick r:id="rId2" action="ppaction://hlinksldjump"/>
             </p:cNvPr>
             <p:cNvSpPr/>
             <p:nvPr/>
@@ -6899,7 +6490,7 @@
         <p:sp>
           <p:nvSpPr>
             <p:cNvPr id="15" name="Rectangle 14">
-              <a:hlinkClick r:id="rId3" action="ppaction://hlinksldjump"/>
+              <a:hlinkClick r:id="rId2" action="ppaction://hlinksldjump"/>
             </p:cNvPr>
             <p:cNvSpPr/>
             <p:nvPr/>
@@ -6945,7 +6536,7 @@
         <p:sp>
           <p:nvSpPr>
             <p:cNvPr id="16" name="Rectangle 15">
-              <a:hlinkClick r:id="rId3" action="ppaction://hlinksldjump"/>
+              <a:hlinkClick r:id="rId2" action="ppaction://hlinksldjump"/>
             </p:cNvPr>
             <p:cNvSpPr/>
             <p:nvPr/>
@@ -7122,10 +6713,410 @@
           </p:txBody>
         </p:sp>
       </p:grpSp>
+      <p:pic>
+        <p:nvPicPr>
+          <p:cNvPr id="17" name="Picture 16"/>
+          <p:cNvPicPr>
+            <a:picLocks noChangeAspect="1"/>
+          </p:cNvPicPr>
+          <p:nvPr/>
+        </p:nvPicPr>
+        <p:blipFill>
+          <a:blip r:embed="rId3">
+            <a:extLst>
+              <a:ext uri="{28A0092B-C50C-407E-A947-70E740481C1C}">
+                <a14:useLocalDpi xmlns:a14="http://schemas.microsoft.com/office/drawing/2010/main" val="0"/>
+              </a:ext>
+            </a:extLst>
+          </a:blip>
+          <a:stretch>
+            <a:fillRect/>
+          </a:stretch>
+        </p:blipFill>
+        <p:spPr>
+          <a:xfrm>
+            <a:off x="0" y="742950"/>
+            <a:ext cx="12192000" cy="6115050"/>
+          </a:xfrm>
+          <a:prstGeom prst="rect">
+            <a:avLst/>
+          </a:prstGeom>
+        </p:spPr>
+      </p:pic>
     </p:spTree>
     <p:extLst>
       <p:ext uri="{BB962C8B-B14F-4D97-AF65-F5344CB8AC3E}">
-        <p14:creationId xmlns:p14="http://schemas.microsoft.com/office/powerpoint/2010/main" val="1095308100"/>
+        <p14:creationId xmlns:p14="http://schemas.microsoft.com/office/powerpoint/2010/main" val="1885539046"/>
+      </p:ext>
+    </p:extLst>
+  </p:cSld>
+  <p:clrMapOvr>
+    <a:masterClrMapping/>
+  </p:clrMapOvr>
+  <mc:AlternateContent xmlns:mc="http://schemas.openxmlformats.org/markup-compatibility/2006" xmlns:p14="http://schemas.microsoft.com/office/powerpoint/2010/main">
+    <mc:Choice Requires="p14">
+      <p:transition p14:dur="200">
+        <p:fade/>
+      </p:transition>
+    </mc:Choice>
+    <mc:Fallback xmlns="">
+      <p:transition>
+        <p:fade/>
+      </p:transition>
+    </mc:Fallback>
+  </mc:AlternateContent>
+  <p:timing>
+    <p:tnLst>
+      <p:par>
+        <p:cTn id="1" dur="indefinite" restart="never" nodeType="tmRoot"/>
+      </p:par>
+    </p:tnLst>
+  </p:timing>
+</p:sld>
+</file>
+
+<file path=ppt/slides/slide16.xml><?xml version="1.0" encoding="utf-8"?>
+<p:sld xmlns:a="http://schemas.openxmlformats.org/drawingml/2006/main" xmlns:r="http://schemas.openxmlformats.org/officeDocument/2006/relationships" xmlns:p="http://schemas.openxmlformats.org/presentationml/2006/main">
+  <p:cSld>
+    <p:spTree>
+      <p:nvGrpSpPr>
+        <p:cNvPr id="1" name=""/>
+        <p:cNvGrpSpPr/>
+        <p:nvPr/>
+      </p:nvGrpSpPr>
+      <p:grpSpPr>
+        <a:xfrm>
+          <a:off x="0" y="0"/>
+          <a:ext cx="0" cy="0"/>
+          <a:chOff x="0" y="0"/>
+          <a:chExt cx="0" cy="0"/>
+        </a:xfrm>
+      </p:grpSpPr>
+      <p:grpSp>
+        <p:nvGrpSpPr>
+          <p:cNvPr id="13" name="Group 12"/>
+          <p:cNvGrpSpPr/>
+          <p:nvPr/>
+        </p:nvGrpSpPr>
+        <p:grpSpPr>
+          <a:xfrm>
+            <a:off x="11408734" y="373659"/>
+            <a:ext cx="361507" cy="297710"/>
+            <a:chOff x="616688" y="2200940"/>
+            <a:chExt cx="1254642" cy="1135277"/>
+          </a:xfrm>
+          <a:solidFill>
+            <a:schemeClr val="bg1">
+              <a:lumMod val="75000"/>
+            </a:schemeClr>
+          </a:solidFill>
+        </p:grpSpPr>
+        <p:sp>
+          <p:nvSpPr>
+            <p:cNvPr id="14" name="Rectangle 13">
+              <a:hlinkClick r:id="rId2" action="ppaction://hlinksldjump"/>
+            </p:cNvPr>
+            <p:cNvSpPr/>
+            <p:nvPr/>
+          </p:nvSpPr>
+          <p:spPr>
+            <a:xfrm>
+              <a:off x="616688" y="2200940"/>
+              <a:ext cx="1254642" cy="255181"/>
+            </a:xfrm>
+            <a:prstGeom prst="rect">
+              <a:avLst/>
+            </a:prstGeom>
+            <a:grpFill/>
+            <a:ln>
+              <a:noFill/>
+            </a:ln>
+          </p:spPr>
+          <p:style>
+            <a:lnRef idx="2">
+              <a:schemeClr val="accent1">
+                <a:shade val="50000"/>
+              </a:schemeClr>
+            </a:lnRef>
+            <a:fillRef idx="1">
+              <a:schemeClr val="accent1"/>
+            </a:fillRef>
+            <a:effectRef idx="0">
+              <a:schemeClr val="accent1"/>
+            </a:effectRef>
+            <a:fontRef idx="minor">
+              <a:schemeClr val="lt1"/>
+            </a:fontRef>
+          </p:style>
+          <p:txBody>
+            <a:bodyPr rtlCol="0" anchor="ctr"/>
+            <a:lstStyle/>
+            <a:p>
+              <a:pPr algn="ctr"/>
+              <a:endParaRPr lang="en-CA"/>
+            </a:p>
+          </p:txBody>
+        </p:sp>
+        <p:sp>
+          <p:nvSpPr>
+            <p:cNvPr id="15" name="Rectangle 14">
+              <a:hlinkClick r:id="rId2" action="ppaction://hlinksldjump"/>
+            </p:cNvPr>
+            <p:cNvSpPr/>
+            <p:nvPr/>
+          </p:nvSpPr>
+          <p:spPr>
+            <a:xfrm>
+              <a:off x="616688" y="2640988"/>
+              <a:ext cx="1254642" cy="255181"/>
+            </a:xfrm>
+            <a:prstGeom prst="rect">
+              <a:avLst/>
+            </a:prstGeom>
+            <a:grpFill/>
+            <a:ln>
+              <a:noFill/>
+            </a:ln>
+          </p:spPr>
+          <p:style>
+            <a:lnRef idx="2">
+              <a:schemeClr val="accent1">
+                <a:shade val="50000"/>
+              </a:schemeClr>
+            </a:lnRef>
+            <a:fillRef idx="1">
+              <a:schemeClr val="accent1"/>
+            </a:fillRef>
+            <a:effectRef idx="0">
+              <a:schemeClr val="accent1"/>
+            </a:effectRef>
+            <a:fontRef idx="minor">
+              <a:schemeClr val="lt1"/>
+            </a:fontRef>
+          </p:style>
+          <p:txBody>
+            <a:bodyPr rtlCol="0" anchor="ctr"/>
+            <a:lstStyle/>
+            <a:p>
+              <a:pPr algn="ctr"/>
+              <a:endParaRPr lang="en-CA"/>
+            </a:p>
+          </p:txBody>
+        </p:sp>
+        <p:sp>
+          <p:nvSpPr>
+            <p:cNvPr id="16" name="Rectangle 15">
+              <a:hlinkClick r:id="rId2" action="ppaction://hlinksldjump"/>
+            </p:cNvPr>
+            <p:cNvSpPr/>
+            <p:nvPr/>
+          </p:nvSpPr>
+          <p:spPr>
+            <a:xfrm>
+              <a:off x="616688" y="3081036"/>
+              <a:ext cx="1254642" cy="255181"/>
+            </a:xfrm>
+            <a:prstGeom prst="rect">
+              <a:avLst/>
+            </a:prstGeom>
+            <a:grpFill/>
+            <a:ln>
+              <a:noFill/>
+            </a:ln>
+          </p:spPr>
+          <p:style>
+            <a:lnRef idx="2">
+              <a:schemeClr val="accent1">
+                <a:shade val="50000"/>
+              </a:schemeClr>
+            </a:lnRef>
+            <a:fillRef idx="1">
+              <a:schemeClr val="accent1"/>
+            </a:fillRef>
+            <a:effectRef idx="0">
+              <a:schemeClr val="accent1"/>
+            </a:effectRef>
+            <a:fontRef idx="minor">
+              <a:schemeClr val="lt1"/>
+            </a:fontRef>
+          </p:style>
+          <p:txBody>
+            <a:bodyPr rtlCol="0" anchor="ctr"/>
+            <a:lstStyle/>
+            <a:p>
+              <a:pPr algn="ctr"/>
+              <a:endParaRPr lang="en-CA" dirty="0"/>
+            </a:p>
+          </p:txBody>
+        </p:sp>
+      </p:grpSp>
+      <p:grpSp>
+        <p:nvGrpSpPr>
+          <p:cNvPr id="10" name="Group 9"/>
+          <p:cNvGrpSpPr/>
+          <p:nvPr/>
+        </p:nvGrpSpPr>
+        <p:grpSpPr>
+          <a:xfrm>
+            <a:off x="3164380" y="-288041"/>
+            <a:ext cx="5863242" cy="810555"/>
+            <a:chOff x="3696372" y="-288041"/>
+            <a:chExt cx="4799257" cy="810555"/>
+          </a:xfrm>
+        </p:grpSpPr>
+        <p:sp>
+          <p:nvSpPr>
+            <p:cNvPr id="11" name="Rounded Rectangle 10"/>
+            <p:cNvSpPr/>
+            <p:nvPr/>
+          </p:nvSpPr>
+          <p:spPr>
+            <a:xfrm>
+              <a:off x="4135793" y="-111968"/>
+              <a:ext cx="3826800" cy="634482"/>
+            </a:xfrm>
+            <a:prstGeom prst="roundRect">
+              <a:avLst/>
+            </a:prstGeom>
+            <a:ln w="57150"/>
+          </p:spPr>
+          <p:style>
+            <a:lnRef idx="2">
+              <a:schemeClr val="dk1">
+                <a:shade val="50000"/>
+              </a:schemeClr>
+            </a:lnRef>
+            <a:fillRef idx="1">
+              <a:schemeClr val="dk1"/>
+            </a:fillRef>
+            <a:effectRef idx="0">
+              <a:schemeClr val="dk1"/>
+            </a:effectRef>
+            <a:fontRef idx="minor">
+              <a:schemeClr val="lt1"/>
+            </a:fontRef>
+          </p:style>
+          <p:txBody>
+            <a:bodyPr rtlCol="0" anchor="b"/>
+            <a:lstStyle/>
+            <a:p>
+              <a:pPr algn="ctr"/>
+              <a:r>
+                <a:rPr lang="en-CA" sz="2400" b="1" dirty="0">
+                  <a:latin typeface="Times New Roman" panose="02020603050405020304" pitchFamily="18" charset="0"/>
+                  <a:cs typeface="Times New Roman" panose="02020603050405020304" pitchFamily="18" charset="0"/>
+                </a:rPr>
+                <a:t>Section 3: </a:t>
+              </a:r>
+              <a:r>
+                <a:rPr lang="en-CA" sz="2400" dirty="0">
+                  <a:latin typeface="Times New Roman" panose="02020603050405020304" pitchFamily="18" charset="0"/>
+                  <a:cs typeface="Times New Roman" panose="02020603050405020304" pitchFamily="18" charset="0"/>
+                </a:rPr>
+                <a:t>Convergence till time </a:t>
+              </a:r>
+              <a:r>
+                <a:rPr lang="en-CA" sz="2400" i="1" dirty="0">
+                  <a:latin typeface="Times New Roman" panose="02020603050405020304" pitchFamily="18" charset="0"/>
+                  <a:cs typeface="Times New Roman" panose="02020603050405020304" pitchFamily="18" charset="0"/>
+                </a:rPr>
+                <a:t>t</a:t>
+              </a:r>
+              <a:r>
+                <a:rPr lang="el-GR" sz="2400" i="1" baseline="-25000" dirty="0">
+                  <a:latin typeface="Times New Roman" panose="02020603050405020304" pitchFamily="18" charset="0"/>
+                  <a:cs typeface="Times New Roman" panose="02020603050405020304" pitchFamily="18" charset="0"/>
+                </a:rPr>
+                <a:t>β</a:t>
+              </a:r>
+              <a:endParaRPr lang="en-CA" sz="2400" i="1" baseline="-25000" dirty="0">
+                <a:latin typeface="Times New Roman" panose="02020603050405020304" pitchFamily="18" charset="0"/>
+                <a:cs typeface="Times New Roman" panose="02020603050405020304" pitchFamily="18" charset="0"/>
+              </a:endParaRPr>
+            </a:p>
+          </p:txBody>
+        </p:sp>
+        <p:sp>
+          <p:nvSpPr>
+            <p:cNvPr id="12" name="Rectangle 11"/>
+            <p:cNvSpPr/>
+            <p:nvPr/>
+          </p:nvSpPr>
+          <p:spPr>
+            <a:xfrm>
+              <a:off x="3696372" y="-288041"/>
+              <a:ext cx="4799257" cy="278516"/>
+            </a:xfrm>
+            <a:prstGeom prst="rect">
+              <a:avLst/>
+            </a:prstGeom>
+            <a:solidFill>
+              <a:srgbClr val="E6E6E6"/>
+            </a:solidFill>
+            <a:ln>
+              <a:noFill/>
+            </a:ln>
+          </p:spPr>
+          <p:style>
+            <a:lnRef idx="2">
+              <a:schemeClr val="accent1">
+                <a:shade val="50000"/>
+              </a:schemeClr>
+            </a:lnRef>
+            <a:fillRef idx="1">
+              <a:schemeClr val="accent1"/>
+            </a:fillRef>
+            <a:effectRef idx="0">
+              <a:schemeClr val="accent1"/>
+            </a:effectRef>
+            <a:fontRef idx="minor">
+              <a:schemeClr val="lt1"/>
+            </a:fontRef>
+          </p:style>
+          <p:txBody>
+            <a:bodyPr rtlCol="0" anchor="ctr"/>
+            <a:lstStyle/>
+            <a:p>
+              <a:pPr algn="ctr"/>
+              <a:endParaRPr lang="en-CA"/>
+            </a:p>
+          </p:txBody>
+        </p:sp>
+      </p:grpSp>
+      <p:pic>
+        <p:nvPicPr>
+          <p:cNvPr id="2" name="Picture 1"/>
+          <p:cNvPicPr>
+            <a:picLocks noChangeAspect="1"/>
+          </p:cNvPicPr>
+          <p:nvPr/>
+        </p:nvPicPr>
+        <p:blipFill>
+          <a:blip r:embed="rId3">
+            <a:extLst>
+              <a:ext uri="{28A0092B-C50C-407E-A947-70E740481C1C}">
+                <a14:useLocalDpi xmlns:a14="http://schemas.microsoft.com/office/drawing/2010/main" val="0"/>
+              </a:ext>
+            </a:extLst>
+          </a:blip>
+          <a:stretch>
+            <a:fillRect/>
+          </a:stretch>
+        </p:blipFill>
+        <p:spPr>
+          <a:xfrm>
+            <a:off x="0" y="742950"/>
+            <a:ext cx="12192000" cy="6115050"/>
+          </a:xfrm>
+          <a:prstGeom prst="rect">
+            <a:avLst/>
+          </a:prstGeom>
+        </p:spPr>
+      </p:pic>
+    </p:spTree>
+    <p:extLst>
+      <p:ext uri="{BB962C8B-B14F-4D97-AF65-F5344CB8AC3E}">
+        <p14:creationId xmlns:p14="http://schemas.microsoft.com/office/powerpoint/2010/main" val="2681444412"/>
       </p:ext>
     </p:extLst>
   </p:cSld>
@@ -7495,7 +7486,7 @@
     </p:spTree>
     <p:extLst>
       <p:ext uri="{BB962C8B-B14F-4D97-AF65-F5344CB8AC3E}">
-        <p14:creationId xmlns:p14="http://schemas.microsoft.com/office/powerpoint/2010/main" val="1885539046"/>
+        <p14:creationId xmlns:p14="http://schemas.microsoft.com/office/powerpoint/2010/main" val="2996385170"/>
       </p:ext>
     </p:extLst>
   </p:cSld>
@@ -7865,7 +7856,7 @@
     </p:spTree>
     <p:extLst>
       <p:ext uri="{BB962C8B-B14F-4D97-AF65-F5344CB8AC3E}">
-        <p14:creationId xmlns:p14="http://schemas.microsoft.com/office/powerpoint/2010/main" val="2996385170"/>
+        <p14:creationId xmlns:p14="http://schemas.microsoft.com/office/powerpoint/2010/main" val="2256974828"/>
       </p:ext>
     </p:extLst>
   </p:cSld>
@@ -8235,7 +8226,7 @@
     </p:spTree>
     <p:extLst>
       <p:ext uri="{BB962C8B-B14F-4D97-AF65-F5344CB8AC3E}">
-        <p14:creationId xmlns:p14="http://schemas.microsoft.com/office/powerpoint/2010/main" val="2256974828"/>
+        <p14:creationId xmlns:p14="http://schemas.microsoft.com/office/powerpoint/2010/main" val="2199192184"/>
       </p:ext>
     </p:extLst>
   </p:cSld>
@@ -8887,376 +8878,6 @@
 <file path=ppt/slides/slide20.xml><?xml version="1.0" encoding="utf-8"?>
 <p:sld xmlns:a="http://schemas.openxmlformats.org/drawingml/2006/main" xmlns:r="http://schemas.openxmlformats.org/officeDocument/2006/relationships" xmlns:p="http://schemas.openxmlformats.org/presentationml/2006/main">
   <p:cSld>
-    <p:spTree>
-      <p:nvGrpSpPr>
-        <p:cNvPr id="1" name=""/>
-        <p:cNvGrpSpPr/>
-        <p:nvPr/>
-      </p:nvGrpSpPr>
-      <p:grpSpPr>
-        <a:xfrm>
-          <a:off x="0" y="0"/>
-          <a:ext cx="0" cy="0"/>
-          <a:chOff x="0" y="0"/>
-          <a:chExt cx="0" cy="0"/>
-        </a:xfrm>
-      </p:grpSpPr>
-      <p:pic>
-        <p:nvPicPr>
-          <p:cNvPr id="2" name="Picture 1"/>
-          <p:cNvPicPr>
-            <a:picLocks noChangeAspect="1"/>
-          </p:cNvPicPr>
-          <p:nvPr/>
-        </p:nvPicPr>
-        <p:blipFill>
-          <a:blip r:embed="rId2">
-            <a:extLst>
-              <a:ext uri="{28A0092B-C50C-407E-A947-70E740481C1C}">
-                <a14:useLocalDpi xmlns:a14="http://schemas.microsoft.com/office/drawing/2010/main" val="0"/>
-              </a:ext>
-            </a:extLst>
-          </a:blip>
-          <a:stretch>
-            <a:fillRect/>
-          </a:stretch>
-        </p:blipFill>
-        <p:spPr>
-          <a:xfrm>
-            <a:off x="0" y="679450"/>
-            <a:ext cx="12192000" cy="6178550"/>
-          </a:xfrm>
-          <a:prstGeom prst="rect">
-            <a:avLst/>
-          </a:prstGeom>
-        </p:spPr>
-      </p:pic>
-      <p:grpSp>
-        <p:nvGrpSpPr>
-          <p:cNvPr id="13" name="Group 12"/>
-          <p:cNvGrpSpPr/>
-          <p:nvPr/>
-        </p:nvGrpSpPr>
-        <p:grpSpPr>
-          <a:xfrm>
-            <a:off x="11408734" y="373659"/>
-            <a:ext cx="361507" cy="297710"/>
-            <a:chOff x="616688" y="2200940"/>
-            <a:chExt cx="1254642" cy="1135277"/>
-          </a:xfrm>
-          <a:solidFill>
-            <a:schemeClr val="bg1">
-              <a:lumMod val="75000"/>
-            </a:schemeClr>
-          </a:solidFill>
-        </p:grpSpPr>
-        <p:sp>
-          <p:nvSpPr>
-            <p:cNvPr id="14" name="Rectangle 13">
-              <a:hlinkClick r:id="rId3" action="ppaction://hlinksldjump"/>
-            </p:cNvPr>
-            <p:cNvSpPr/>
-            <p:nvPr/>
-          </p:nvSpPr>
-          <p:spPr>
-            <a:xfrm>
-              <a:off x="616688" y="2200940"/>
-              <a:ext cx="1254642" cy="255181"/>
-            </a:xfrm>
-            <a:prstGeom prst="rect">
-              <a:avLst/>
-            </a:prstGeom>
-            <a:grpFill/>
-            <a:ln>
-              <a:noFill/>
-            </a:ln>
-          </p:spPr>
-          <p:style>
-            <a:lnRef idx="2">
-              <a:schemeClr val="accent1">
-                <a:shade val="50000"/>
-              </a:schemeClr>
-            </a:lnRef>
-            <a:fillRef idx="1">
-              <a:schemeClr val="accent1"/>
-            </a:fillRef>
-            <a:effectRef idx="0">
-              <a:schemeClr val="accent1"/>
-            </a:effectRef>
-            <a:fontRef idx="minor">
-              <a:schemeClr val="lt1"/>
-            </a:fontRef>
-          </p:style>
-          <p:txBody>
-            <a:bodyPr rtlCol="0" anchor="ctr"/>
-            <a:lstStyle/>
-            <a:p>
-              <a:pPr algn="ctr"/>
-              <a:endParaRPr lang="en-CA"/>
-            </a:p>
-          </p:txBody>
-        </p:sp>
-        <p:sp>
-          <p:nvSpPr>
-            <p:cNvPr id="15" name="Rectangle 14">
-              <a:hlinkClick r:id="rId3" action="ppaction://hlinksldjump"/>
-            </p:cNvPr>
-            <p:cNvSpPr/>
-            <p:nvPr/>
-          </p:nvSpPr>
-          <p:spPr>
-            <a:xfrm>
-              <a:off x="616688" y="2640988"/>
-              <a:ext cx="1254642" cy="255181"/>
-            </a:xfrm>
-            <a:prstGeom prst="rect">
-              <a:avLst/>
-            </a:prstGeom>
-            <a:grpFill/>
-            <a:ln>
-              <a:noFill/>
-            </a:ln>
-          </p:spPr>
-          <p:style>
-            <a:lnRef idx="2">
-              <a:schemeClr val="accent1">
-                <a:shade val="50000"/>
-              </a:schemeClr>
-            </a:lnRef>
-            <a:fillRef idx="1">
-              <a:schemeClr val="accent1"/>
-            </a:fillRef>
-            <a:effectRef idx="0">
-              <a:schemeClr val="accent1"/>
-            </a:effectRef>
-            <a:fontRef idx="minor">
-              <a:schemeClr val="lt1"/>
-            </a:fontRef>
-          </p:style>
-          <p:txBody>
-            <a:bodyPr rtlCol="0" anchor="ctr"/>
-            <a:lstStyle/>
-            <a:p>
-              <a:pPr algn="ctr"/>
-              <a:endParaRPr lang="en-CA"/>
-            </a:p>
-          </p:txBody>
-        </p:sp>
-        <p:sp>
-          <p:nvSpPr>
-            <p:cNvPr id="16" name="Rectangle 15">
-              <a:hlinkClick r:id="rId3" action="ppaction://hlinksldjump"/>
-            </p:cNvPr>
-            <p:cNvSpPr/>
-            <p:nvPr/>
-          </p:nvSpPr>
-          <p:spPr>
-            <a:xfrm>
-              <a:off x="616688" y="3081036"/>
-              <a:ext cx="1254642" cy="255181"/>
-            </a:xfrm>
-            <a:prstGeom prst="rect">
-              <a:avLst/>
-            </a:prstGeom>
-            <a:grpFill/>
-            <a:ln>
-              <a:noFill/>
-            </a:ln>
-          </p:spPr>
-          <p:style>
-            <a:lnRef idx="2">
-              <a:schemeClr val="accent1">
-                <a:shade val="50000"/>
-              </a:schemeClr>
-            </a:lnRef>
-            <a:fillRef idx="1">
-              <a:schemeClr val="accent1"/>
-            </a:fillRef>
-            <a:effectRef idx="0">
-              <a:schemeClr val="accent1"/>
-            </a:effectRef>
-            <a:fontRef idx="minor">
-              <a:schemeClr val="lt1"/>
-            </a:fontRef>
-          </p:style>
-          <p:txBody>
-            <a:bodyPr rtlCol="0" anchor="ctr"/>
-            <a:lstStyle/>
-            <a:p>
-              <a:pPr algn="ctr"/>
-              <a:endParaRPr lang="en-CA" dirty="0"/>
-            </a:p>
-          </p:txBody>
-        </p:sp>
-      </p:grpSp>
-      <p:grpSp>
-        <p:nvGrpSpPr>
-          <p:cNvPr id="10" name="Group 9"/>
-          <p:cNvGrpSpPr/>
-          <p:nvPr/>
-        </p:nvGrpSpPr>
-        <p:grpSpPr>
-          <a:xfrm>
-            <a:off x="3164380" y="-288041"/>
-            <a:ext cx="5863242" cy="810555"/>
-            <a:chOff x="3696372" y="-288041"/>
-            <a:chExt cx="4799257" cy="810555"/>
-          </a:xfrm>
-        </p:grpSpPr>
-        <p:sp>
-          <p:nvSpPr>
-            <p:cNvPr id="11" name="Rounded Rectangle 10"/>
-            <p:cNvSpPr/>
-            <p:nvPr/>
-          </p:nvSpPr>
-          <p:spPr>
-            <a:xfrm>
-              <a:off x="4135793" y="-111968"/>
-              <a:ext cx="3826800" cy="634482"/>
-            </a:xfrm>
-            <a:prstGeom prst="roundRect">
-              <a:avLst/>
-            </a:prstGeom>
-            <a:ln w="57150"/>
-          </p:spPr>
-          <p:style>
-            <a:lnRef idx="2">
-              <a:schemeClr val="dk1">
-                <a:shade val="50000"/>
-              </a:schemeClr>
-            </a:lnRef>
-            <a:fillRef idx="1">
-              <a:schemeClr val="dk1"/>
-            </a:fillRef>
-            <a:effectRef idx="0">
-              <a:schemeClr val="dk1"/>
-            </a:effectRef>
-            <a:fontRef idx="minor">
-              <a:schemeClr val="lt1"/>
-            </a:fontRef>
-          </p:style>
-          <p:txBody>
-            <a:bodyPr rtlCol="0" anchor="b"/>
-            <a:lstStyle/>
-            <a:p>
-              <a:pPr algn="ctr"/>
-              <a:r>
-                <a:rPr lang="en-CA" sz="2400" b="1" dirty="0">
-                  <a:latin typeface="Times New Roman" panose="02020603050405020304" pitchFamily="18" charset="0"/>
-                  <a:cs typeface="Times New Roman" panose="02020603050405020304" pitchFamily="18" charset="0"/>
-                </a:rPr>
-                <a:t>Section 3: </a:t>
-              </a:r>
-              <a:r>
-                <a:rPr lang="en-CA" sz="2400" dirty="0">
-                  <a:latin typeface="Times New Roman" panose="02020603050405020304" pitchFamily="18" charset="0"/>
-                  <a:cs typeface="Times New Roman" panose="02020603050405020304" pitchFamily="18" charset="0"/>
-                </a:rPr>
-                <a:t>Convergence till time </a:t>
-              </a:r>
-              <a:r>
-                <a:rPr lang="en-CA" sz="2400" i="1" dirty="0">
-                  <a:latin typeface="Times New Roman" panose="02020603050405020304" pitchFamily="18" charset="0"/>
-                  <a:cs typeface="Times New Roman" panose="02020603050405020304" pitchFamily="18" charset="0"/>
-                </a:rPr>
-                <a:t>t</a:t>
-              </a:r>
-              <a:r>
-                <a:rPr lang="el-GR" sz="2400" i="1" baseline="-25000" dirty="0">
-                  <a:latin typeface="Times New Roman" panose="02020603050405020304" pitchFamily="18" charset="0"/>
-                  <a:cs typeface="Times New Roman" panose="02020603050405020304" pitchFamily="18" charset="0"/>
-                </a:rPr>
-                <a:t>β</a:t>
-              </a:r>
-              <a:endParaRPr lang="en-CA" sz="2400" i="1" baseline="-25000" dirty="0">
-                <a:latin typeface="Times New Roman" panose="02020603050405020304" pitchFamily="18" charset="0"/>
-                <a:cs typeface="Times New Roman" panose="02020603050405020304" pitchFamily="18" charset="0"/>
-              </a:endParaRPr>
-            </a:p>
-          </p:txBody>
-        </p:sp>
-        <p:sp>
-          <p:nvSpPr>
-            <p:cNvPr id="12" name="Rectangle 11"/>
-            <p:cNvSpPr/>
-            <p:nvPr/>
-          </p:nvSpPr>
-          <p:spPr>
-            <a:xfrm>
-              <a:off x="3696372" y="-288041"/>
-              <a:ext cx="4799257" cy="278516"/>
-            </a:xfrm>
-            <a:prstGeom prst="rect">
-              <a:avLst/>
-            </a:prstGeom>
-            <a:solidFill>
-              <a:srgbClr val="E6E6E6"/>
-            </a:solidFill>
-            <a:ln>
-              <a:noFill/>
-            </a:ln>
-          </p:spPr>
-          <p:style>
-            <a:lnRef idx="2">
-              <a:schemeClr val="accent1">
-                <a:shade val="50000"/>
-              </a:schemeClr>
-            </a:lnRef>
-            <a:fillRef idx="1">
-              <a:schemeClr val="accent1"/>
-            </a:fillRef>
-            <a:effectRef idx="0">
-              <a:schemeClr val="accent1"/>
-            </a:effectRef>
-            <a:fontRef idx="minor">
-              <a:schemeClr val="lt1"/>
-            </a:fontRef>
-          </p:style>
-          <p:txBody>
-            <a:bodyPr rtlCol="0" anchor="ctr"/>
-            <a:lstStyle/>
-            <a:p>
-              <a:pPr algn="ctr"/>
-              <a:endParaRPr lang="en-CA"/>
-            </a:p>
-          </p:txBody>
-        </p:sp>
-      </p:grpSp>
-    </p:spTree>
-    <p:extLst>
-      <p:ext uri="{BB962C8B-B14F-4D97-AF65-F5344CB8AC3E}">
-        <p14:creationId xmlns:p14="http://schemas.microsoft.com/office/powerpoint/2010/main" val="2199192184"/>
-      </p:ext>
-    </p:extLst>
-  </p:cSld>
-  <p:clrMapOvr>
-    <a:masterClrMapping/>
-  </p:clrMapOvr>
-  <mc:AlternateContent xmlns:mc="http://schemas.openxmlformats.org/markup-compatibility/2006" xmlns:p14="http://schemas.microsoft.com/office/powerpoint/2010/main">
-    <mc:Choice Requires="p14">
-      <p:transition p14:dur="200">
-        <p:fade/>
-      </p:transition>
-    </mc:Choice>
-    <mc:Fallback xmlns="">
-      <p:transition>
-        <p:fade/>
-      </p:transition>
-    </mc:Fallback>
-  </mc:AlternateContent>
-  <p:timing>
-    <p:tnLst>
-      <p:par>
-        <p:cTn id="1" dur="indefinite" restart="never" nodeType="tmRoot"/>
-      </p:par>
-    </p:tnLst>
-  </p:timing>
-</p:sld>
-</file>
-
-<file path=ppt/slides/slide21.xml><?xml version="1.0" encoding="utf-8"?>
-<p:sld xmlns:a="http://schemas.openxmlformats.org/drawingml/2006/main" xmlns:r="http://schemas.openxmlformats.org/officeDocument/2006/relationships" xmlns:p="http://schemas.openxmlformats.org/presentationml/2006/main">
-  <p:cSld>
     <p:bg>
       <p:bgPr>
         <a:solidFill>
@@ -9652,7 +9273,7 @@
 </p:sld>
 </file>
 
-<file path=ppt/slides/slide22.xml><?xml version="1.0" encoding="utf-8"?>
+<file path=ppt/slides/slide21.xml><?xml version="1.0" encoding="utf-8"?>
 <p:sld xmlns:a="http://schemas.openxmlformats.org/drawingml/2006/main" xmlns:r="http://schemas.openxmlformats.org/officeDocument/2006/relationships" xmlns:p="http://schemas.openxmlformats.org/presentationml/2006/main">
   <p:cSld>
     <p:spTree>
@@ -10314,7 +9935,7 @@
           <a:graphicData uri="http://schemas.openxmlformats.org/presentationml/2006/ole">
             <mc:AlternateContent xmlns:mc="http://schemas.openxmlformats.org/markup-compatibility/2006">
               <mc:Choice xmlns:v="urn:schemas-microsoft-com:vml" Requires="v">
-                <p:oleObj spid="_x0000_s1645" name="Equation" r:id="rId3" imgW="1384200" imgH="545760" progId="Equation.3">
+                <p:oleObj spid="_x0000_s1649" name="Equation" r:id="rId3" imgW="1384200" imgH="545760" progId="Equation.3">
                   <p:embed/>
                 </p:oleObj>
               </mc:Choice>
@@ -10727,7 +10348,7 @@
               <a:graphicData uri="http://schemas.openxmlformats.org/presentationml/2006/ole">
                 <mc:AlternateContent xmlns:mc="http://schemas.openxmlformats.org/markup-compatibility/2006">
                   <mc:Choice xmlns:v="urn:schemas-microsoft-com:vml" Requires="v">
-                    <p:oleObj spid="_x0000_s1646" name="Equation" r:id="rId6" imgW="444240" imgH="304560" progId="Equation.3">
+                    <p:oleObj spid="_x0000_s1650" name="Equation" r:id="rId6" imgW="444240" imgH="304560" progId="Equation.3">
                       <p:embed/>
                     </p:oleObj>
                   </mc:Choice>
@@ -10864,7 +10485,7 @@
             <a:graphicData uri="http://schemas.openxmlformats.org/presentationml/2006/ole">
               <mc:AlternateContent xmlns:mc="http://schemas.openxmlformats.org/markup-compatibility/2006">
                 <mc:Choice xmlns:v="urn:schemas-microsoft-com:vml" Requires="v">
-                  <p:oleObj spid="_x0000_s1647" name="Equation" r:id="rId8" imgW="330120" imgH="419040" progId="Equation.3">
+                  <p:oleObj spid="_x0000_s1651" name="Equation" r:id="rId8" imgW="330120" imgH="419040" progId="Equation.3">
                     <p:embed/>
                   </p:oleObj>
                 </mc:Choice>
@@ -10921,7 +10542,7 @@
             <a:graphicData uri="http://schemas.openxmlformats.org/presentationml/2006/ole">
               <mc:AlternateContent xmlns:mc="http://schemas.openxmlformats.org/markup-compatibility/2006">
                 <mc:Choice xmlns:v="urn:schemas-microsoft-com:vml" Requires="v">
-                  <p:oleObj spid="_x0000_s1648" name="Equation" r:id="rId10" imgW="291960" imgH="279360" progId="Equation.3">
+                  <p:oleObj spid="_x0000_s1652" name="Equation" r:id="rId10" imgW="291960" imgH="279360" progId="Equation.3">
                     <p:embed/>
                   </p:oleObj>
                 </mc:Choice>
@@ -11410,7 +11031,7 @@
               <a:graphicData uri="http://schemas.openxmlformats.org/presentationml/2006/ole">
                 <mc:AlternateContent xmlns:mc="http://schemas.openxmlformats.org/markup-compatibility/2006">
                   <mc:Choice xmlns:v="urn:schemas-microsoft-com:vml" Requires="v">
-                    <p:oleObj spid="_x0000_s7234" name="Equation" r:id="rId4" imgW="304560" imgH="317160" progId="Equation.3">
+                    <p:oleObj spid="_x0000_s7241" name="Equation" r:id="rId4" imgW="304560" imgH="317160" progId="Equation.3">
                       <p:embed/>
                     </p:oleObj>
                   </mc:Choice>
@@ -11525,7 +11146,7 @@
               <a:graphicData uri="http://schemas.openxmlformats.org/presentationml/2006/ole">
                 <mc:AlternateContent xmlns:mc="http://schemas.openxmlformats.org/markup-compatibility/2006">
                   <mc:Choice xmlns:v="urn:schemas-microsoft-com:vml" Requires="v">
-                    <p:oleObj spid="_x0000_s7235" name="Equation" r:id="rId6" imgW="342720" imgH="317160" progId="Equation.3">
+                    <p:oleObj spid="_x0000_s7242" name="Equation" r:id="rId6" imgW="342720" imgH="317160" progId="Equation.3">
                       <p:embed/>
                     </p:oleObj>
                   </mc:Choice>
@@ -11659,7 +11280,7 @@
             <a:graphicData uri="http://schemas.openxmlformats.org/presentationml/2006/ole">
               <mc:AlternateContent xmlns:mc="http://schemas.openxmlformats.org/markup-compatibility/2006">
                 <mc:Choice xmlns:v="urn:schemas-microsoft-com:vml" Requires="v">
-                  <p:oleObj spid="_x0000_s7236" name="Equation" r:id="rId8" imgW="1879560" imgH="583920" progId="Equation.3">
+                  <p:oleObj spid="_x0000_s7243" name="Equation" r:id="rId8" imgW="1879560" imgH="583920" progId="Equation.3">
                     <p:embed/>
                   </p:oleObj>
                 </mc:Choice>
@@ -11792,7 +11413,7 @@
                 <a:graphicData uri="http://schemas.openxmlformats.org/presentationml/2006/ole">
                   <mc:AlternateContent>
                     <mc:Choice xmlns:v="urn:schemas-microsoft-com:vml" Requires="v">
-                      <p:oleObj spid="_x0000_s7237" name="Equation" r:id="rId10" imgW="1231560" imgH="431640" progId="Equation.3">
+                      <p:oleObj spid="_x0000_s7244" name="Equation" r:id="rId10" imgW="1231560" imgH="431640" progId="Equation.3">
                         <p:embed/>
                       </p:oleObj>
                     </mc:Choice>
@@ -11851,7 +11472,7 @@
                 <a:graphicData uri="http://schemas.openxmlformats.org/presentationml/2006/ole">
                   <mc:AlternateContent>
                     <mc:Choice xmlns:v="urn:schemas-microsoft-com:vml" Requires="v">
-                      <p:oleObj spid="_x0000_s7237" name="Equation" r:id="rId10" imgW="1231560" imgH="431640" progId="Equation.3">
+                      <p:oleObj spid="_x0000_s7244" name="Equation" r:id="rId10" imgW="1231560" imgH="431640" progId="Equation.3">
                         <p:embed/>
                       </p:oleObj>
                     </mc:Choice>
@@ -12211,7 +11832,7 @@
                 <a:graphicData uri="http://schemas.openxmlformats.org/presentationml/2006/ole">
                   <mc:AlternateContent>
                     <mc:Choice xmlns:v="urn:schemas-microsoft-com:vml" Requires="v">
-                      <p:oleObj spid="_x0000_s7238" name="Equation" r:id="rId13" imgW="2070000" imgH="431640" progId="Equation.3">
+                      <p:oleObj spid="_x0000_s7245" name="Equation" r:id="rId13" imgW="2070000" imgH="431640" progId="Equation.3">
                         <p:embed/>
                       </p:oleObj>
                     </mc:Choice>
@@ -12270,7 +11891,7 @@
                 <a:graphicData uri="http://schemas.openxmlformats.org/presentationml/2006/ole">
                   <mc:AlternateContent>
                     <mc:Choice xmlns:v="urn:schemas-microsoft-com:vml" Requires="v">
-                      <p:oleObj spid="_x0000_s7238" name="Equation" r:id="rId13" imgW="2070000" imgH="431640" progId="Equation.3">
+                      <p:oleObj spid="_x0000_s7245" name="Equation" r:id="rId13" imgW="2070000" imgH="431640" progId="Equation.3">
                         <p:embed/>
                       </p:oleObj>
                     </mc:Choice>
@@ -12331,7 +11952,7 @@
                 <a:graphicData uri="http://schemas.openxmlformats.org/presentationml/2006/ole">
                   <mc:AlternateContent>
                     <mc:Choice xmlns:v="urn:schemas-microsoft-com:vml" Requires="v">
-                      <p:oleObj spid="_x0000_s7239" name="Equation" r:id="rId15" imgW="1600200" imgH="406080" progId="Equation.3">
+                      <p:oleObj spid="_x0000_s7246" name="Equation" r:id="rId15" imgW="1600200" imgH="406080" progId="Equation.3">
                         <p:embed/>
                       </p:oleObj>
                     </mc:Choice>
@@ -12390,7 +12011,7 @@
                 <a:graphicData uri="http://schemas.openxmlformats.org/presentationml/2006/ole">
                   <mc:AlternateContent>
                     <mc:Choice xmlns:v="urn:schemas-microsoft-com:vml" Requires="v">
-                      <p:oleObj spid="_x0000_s7239" name="Equation" r:id="rId15" imgW="1600200" imgH="406080" progId="Equation.3">
+                      <p:oleObj spid="_x0000_s7246" name="Equation" r:id="rId15" imgW="1600200" imgH="406080" progId="Equation.3">
                         <p:embed/>
                       </p:oleObj>
                     </mc:Choice>
@@ -12451,7 +12072,7 @@
                 <a:graphicData uri="http://schemas.openxmlformats.org/presentationml/2006/ole">
                   <mc:AlternateContent>
                     <mc:Choice xmlns:v="urn:schemas-microsoft-com:vml" Requires="v">
-                      <p:oleObj spid="_x0000_s7240" name="Equation" r:id="rId17" imgW="1180800" imgH="431640" progId="Equation.3">
+                      <p:oleObj spid="_x0000_s7247" name="Equation" r:id="rId17" imgW="1180800" imgH="431640" progId="Equation.3">
                         <p:embed/>
                       </p:oleObj>
                     </mc:Choice>
@@ -12510,7 +12131,7 @@
                 <a:graphicData uri="http://schemas.openxmlformats.org/presentationml/2006/ole">
                   <mc:AlternateContent>
                     <mc:Choice xmlns:v="urn:schemas-microsoft-com:vml" Requires="v">
-                      <p:oleObj spid="_x0000_s7240" name="Equation" r:id="rId17" imgW="1180800" imgH="431640" progId="Equation.3">
+                      <p:oleObj spid="_x0000_s7247" name="Equation" r:id="rId17" imgW="1180800" imgH="431640" progId="Equation.3">
                         <p:embed/>
                       </p:oleObj>
                     </mc:Choice>
@@ -13704,36 +13325,6 @@
           <a:chExt cx="0" cy="0"/>
         </a:xfrm>
       </p:grpSpPr>
-      <p:pic>
-        <p:nvPicPr>
-          <p:cNvPr id="4" name="Picture 3"/>
-          <p:cNvPicPr>
-            <a:picLocks noChangeAspect="1"/>
-          </p:cNvPicPr>
-          <p:nvPr/>
-        </p:nvPicPr>
-        <p:blipFill>
-          <a:blip r:embed="rId2">
-            <a:extLst>
-              <a:ext uri="{28A0092B-C50C-407E-A947-70E740481C1C}">
-                <a14:useLocalDpi xmlns:a14="http://schemas.microsoft.com/office/drawing/2010/main" val="0"/>
-              </a:ext>
-            </a:extLst>
-          </a:blip>
-          <a:stretch>
-            <a:fillRect/>
-          </a:stretch>
-        </p:blipFill>
-        <p:spPr>
-          <a:xfrm>
-            <a:off x="0" y="742950"/>
-            <a:ext cx="12192000" cy="6115050"/>
-          </a:xfrm>
-          <a:prstGeom prst="rect">
-            <a:avLst/>
-          </a:prstGeom>
-        </p:spPr>
-      </p:pic>
       <p:grpSp>
         <p:nvGrpSpPr>
           <p:cNvPr id="9" name="Group 8"/>
@@ -13756,7 +13347,7 @@
         <p:sp>
           <p:nvSpPr>
             <p:cNvPr id="10" name="Rectangle 9">
-              <a:hlinkClick r:id="rId3" action="ppaction://hlinksldjump"/>
+              <a:hlinkClick r:id="rId2" action="ppaction://hlinksldjump"/>
             </p:cNvPr>
             <p:cNvSpPr/>
             <p:nvPr/>
@@ -13802,7 +13393,7 @@
         <p:sp>
           <p:nvSpPr>
             <p:cNvPr id="11" name="Rectangle 10">
-              <a:hlinkClick r:id="rId3" action="ppaction://hlinksldjump"/>
+              <a:hlinkClick r:id="rId2" action="ppaction://hlinksldjump"/>
             </p:cNvPr>
             <p:cNvSpPr/>
             <p:nvPr/>
@@ -13848,7 +13439,7 @@
         <p:sp>
           <p:nvSpPr>
             <p:cNvPr id="12" name="Rectangle 11">
-              <a:hlinkClick r:id="rId3" action="ppaction://hlinksldjump"/>
+              <a:hlinkClick r:id="rId2" action="ppaction://hlinksldjump"/>
             </p:cNvPr>
             <p:cNvSpPr/>
             <p:nvPr/>
@@ -14025,10 +13616,40 @@
           </p:txBody>
         </p:sp>
       </p:grpSp>
+      <p:pic>
+        <p:nvPicPr>
+          <p:cNvPr id="4" name="Picture 3"/>
+          <p:cNvPicPr>
+            <a:picLocks noChangeAspect="1"/>
+          </p:cNvPicPr>
+          <p:nvPr/>
+        </p:nvPicPr>
+        <p:blipFill>
+          <a:blip r:embed="rId3">
+            <a:extLst>
+              <a:ext uri="{28A0092B-C50C-407E-A947-70E740481C1C}">
+                <a14:useLocalDpi xmlns:a14="http://schemas.microsoft.com/office/drawing/2010/main" val="0"/>
+              </a:ext>
+            </a:extLst>
+          </a:blip>
+          <a:stretch>
+            <a:fillRect/>
+          </a:stretch>
+        </p:blipFill>
+        <p:spPr>
+          <a:xfrm>
+            <a:off x="0" y="742950"/>
+            <a:ext cx="12192000" cy="6115050"/>
+          </a:xfrm>
+          <a:prstGeom prst="rect">
+            <a:avLst/>
+          </a:prstGeom>
+        </p:spPr>
+      </p:pic>
     </p:spTree>
     <p:extLst>
       <p:ext uri="{BB962C8B-B14F-4D97-AF65-F5344CB8AC3E}">
-        <p14:creationId xmlns:p14="http://schemas.microsoft.com/office/powerpoint/2010/main" val="3728759877"/>
+        <p14:creationId xmlns:p14="http://schemas.microsoft.com/office/powerpoint/2010/main" val="2916403304"/>
       </p:ext>
     </p:extLst>
   </p:cSld>
@@ -14367,7 +13988,7 @@
       </p:grpSp>
       <p:pic>
         <p:nvPicPr>
-          <p:cNvPr id="4" name="Picture 3"/>
+          <p:cNvPr id="2" name="Picture 1"/>
           <p:cNvPicPr>
             <a:picLocks noChangeAspect="1"/>
           </p:cNvPicPr>
@@ -14398,7 +14019,7 @@
     </p:spTree>
     <p:extLst>
       <p:ext uri="{BB962C8B-B14F-4D97-AF65-F5344CB8AC3E}">
-        <p14:creationId xmlns:p14="http://schemas.microsoft.com/office/powerpoint/2010/main" val="2916403304"/>
+        <p14:creationId xmlns:p14="http://schemas.microsoft.com/office/powerpoint/2010/main" val="1519723260"/>
       </p:ext>
     </p:extLst>
   </p:cSld>
@@ -14768,7 +14389,7 @@
     </p:spTree>
     <p:extLst>
       <p:ext uri="{BB962C8B-B14F-4D97-AF65-F5344CB8AC3E}">
-        <p14:creationId xmlns:p14="http://schemas.microsoft.com/office/powerpoint/2010/main" val="1519723260"/>
+        <p14:creationId xmlns:p14="http://schemas.microsoft.com/office/powerpoint/2010/main" val="1475929001"/>
       </p:ext>
     </p:extLst>
   </p:cSld>
